--- a/docs/diagrams/ModelComponentClassBetterOopDiagram.pptx
+++ b/docs/diagrams/ModelComponentClassBetterOopDiagram.pptx
@@ -208,7 +208,7 @@
           <a:p>
             <a:fld id="{F5CC4B3F-88C1-4FFA-B1B6-F41C21DC6924}" type="datetimeFigureOut">
               <a:rPr lang="en-US" smtClean="0"/>
-              <a:t>12/5/2018</a:t>
+              <a:t>28-Feb-19</a:t>
             </a:fld>
             <a:endParaRPr lang="en-US"/>
           </a:p>
@@ -654,7 +654,7 @@
           <a:p>
             <a:fld id="{78C97017-6FC3-485B-9764-EAC9E56C1D49}" type="datetimeFigureOut">
               <a:rPr lang="en-US" smtClean="0"/>
-              <a:t>12/5/2018</a:t>
+              <a:t>28-Feb-19</a:t>
             </a:fld>
             <a:endParaRPr lang="en-US"/>
           </a:p>
@@ -822,7 +822,7 @@
           <a:p>
             <a:fld id="{78C97017-6FC3-485B-9764-EAC9E56C1D49}" type="datetimeFigureOut">
               <a:rPr lang="en-US" smtClean="0"/>
-              <a:t>12/5/2018</a:t>
+              <a:t>28-Feb-19</a:t>
             </a:fld>
             <a:endParaRPr lang="en-US"/>
           </a:p>
@@ -1000,7 +1000,7 @@
           <a:p>
             <a:fld id="{78C97017-6FC3-485B-9764-EAC9E56C1D49}" type="datetimeFigureOut">
               <a:rPr lang="en-US" smtClean="0"/>
-              <a:t>12/5/2018</a:t>
+              <a:t>28-Feb-19</a:t>
             </a:fld>
             <a:endParaRPr lang="en-US"/>
           </a:p>
@@ -1168,7 +1168,7 @@
           <a:p>
             <a:fld id="{78C97017-6FC3-485B-9764-EAC9E56C1D49}" type="datetimeFigureOut">
               <a:rPr lang="en-US" smtClean="0"/>
-              <a:t>12/5/2018</a:t>
+              <a:t>28-Feb-19</a:t>
             </a:fld>
             <a:endParaRPr lang="en-US"/>
           </a:p>
@@ -1413,7 +1413,7 @@
           <a:p>
             <a:fld id="{78C97017-6FC3-485B-9764-EAC9E56C1D49}" type="datetimeFigureOut">
               <a:rPr lang="en-US" smtClean="0"/>
-              <a:t>12/5/2018</a:t>
+              <a:t>28-Feb-19</a:t>
             </a:fld>
             <a:endParaRPr lang="en-US"/>
           </a:p>
@@ -1698,7 +1698,7 @@
           <a:p>
             <a:fld id="{78C97017-6FC3-485B-9764-EAC9E56C1D49}" type="datetimeFigureOut">
               <a:rPr lang="en-US" smtClean="0"/>
-              <a:t>12/5/2018</a:t>
+              <a:t>28-Feb-19</a:t>
             </a:fld>
             <a:endParaRPr lang="en-US"/>
           </a:p>
@@ -2117,7 +2117,7 @@
           <a:p>
             <a:fld id="{78C97017-6FC3-485B-9764-EAC9E56C1D49}" type="datetimeFigureOut">
               <a:rPr lang="en-US" smtClean="0"/>
-              <a:t>12/5/2018</a:t>
+              <a:t>28-Feb-19</a:t>
             </a:fld>
             <a:endParaRPr lang="en-US"/>
           </a:p>
@@ -2234,7 +2234,7 @@
           <a:p>
             <a:fld id="{78C97017-6FC3-485B-9764-EAC9E56C1D49}" type="datetimeFigureOut">
               <a:rPr lang="en-US" smtClean="0"/>
-              <a:t>12/5/2018</a:t>
+              <a:t>28-Feb-19</a:t>
             </a:fld>
             <a:endParaRPr lang="en-US"/>
           </a:p>
@@ -2329,7 +2329,7 @@
           <a:p>
             <a:fld id="{78C97017-6FC3-485B-9764-EAC9E56C1D49}" type="datetimeFigureOut">
               <a:rPr lang="en-US" smtClean="0"/>
-              <a:t>12/5/2018</a:t>
+              <a:t>28-Feb-19</a:t>
             </a:fld>
             <a:endParaRPr lang="en-US"/>
           </a:p>
@@ -2604,7 +2604,7 @@
           <a:p>
             <a:fld id="{78C97017-6FC3-485B-9764-EAC9E56C1D49}" type="datetimeFigureOut">
               <a:rPr lang="en-US" smtClean="0"/>
-              <a:t>12/5/2018</a:t>
+              <a:t>28-Feb-19</a:t>
             </a:fld>
             <a:endParaRPr lang="en-US"/>
           </a:p>
@@ -2856,7 +2856,7 @@
           <a:p>
             <a:fld id="{78C97017-6FC3-485B-9764-EAC9E56C1D49}" type="datetimeFigureOut">
               <a:rPr lang="en-US" smtClean="0"/>
-              <a:t>12/5/2018</a:t>
+              <a:t>28-Feb-19</a:t>
             </a:fld>
             <a:endParaRPr lang="en-US"/>
           </a:p>
@@ -3067,7 +3067,7 @@
           <a:p>
             <a:fld id="{78C97017-6FC3-485B-9764-EAC9E56C1D49}" type="datetimeFigureOut">
               <a:rPr lang="en-US" smtClean="0"/>
-              <a:t>12/5/2018</a:t>
+              <a:t>28-Feb-19</a:t>
             </a:fld>
             <a:endParaRPr lang="en-US"/>
           </a:p>
@@ -3650,8 +3650,8 @@
         </p:nvSpPr>
         <p:spPr>
           <a:xfrm>
-            <a:off x="5282183" y="3347776"/>
-            <a:ext cx="708186" cy="346760"/>
+            <a:off x="5282182" y="3347776"/>
+            <a:ext cx="794313" cy="346760"/>
           </a:xfrm>
           <a:prstGeom prst="rect">
             <a:avLst/>
@@ -3688,7 +3688,7 @@
                   <a:srgbClr val="7030A0"/>
                 </a:solidFill>
               </a:rPr>
-              <a:t>Person</a:t>
+              <a:t>Volunteer</a:t>
             </a:r>
             <a:endParaRPr lang="en-SG" sz="1050" dirty="0">
               <a:solidFill>
@@ -3756,7 +3756,7 @@
         <p:spPr>
           <a:xfrm>
             <a:off x="5123014" y="3517465"/>
-            <a:ext cx="159169" cy="3691"/>
+            <a:ext cx="159168" cy="3691"/>
           </a:xfrm>
           <a:prstGeom prst="bentConnector3">
             <a:avLst/>
@@ -4672,8 +4672,8 @@
         </p:nvSpPr>
         <p:spPr>
           <a:xfrm>
-            <a:off x="3335606" y="2662682"/>
-            <a:ext cx="189257" cy="178683"/>
+            <a:off x="3335606" y="2696571"/>
+            <a:ext cx="377340" cy="144794"/>
           </a:xfrm>
           <a:prstGeom prst="rect">
             <a:avLst/>
@@ -4780,6 +4780,758 @@
           <a:prstGeom prst="bentConnector3">
             <a:avLst>
               <a:gd name="adj1" fmla="val 50000"/>
+            </a:avLst>
+          </a:prstGeom>
+          <a:ln w="19050">
+            <a:solidFill>
+              <a:srgbClr val="7030A0"/>
+            </a:solidFill>
+            <a:headEnd type="none" w="med" len="med"/>
+            <a:tailEnd type="arrow" w="med" len="med"/>
+          </a:ln>
+          <a:effectLst/>
+        </p:spPr>
+        <p:style>
+          <a:lnRef idx="1">
+            <a:schemeClr val="accent2"/>
+          </a:lnRef>
+          <a:fillRef idx="2">
+            <a:schemeClr val="accent2"/>
+          </a:fillRef>
+          <a:effectRef idx="1">
+            <a:schemeClr val="accent2"/>
+          </a:effectRef>
+          <a:fontRef idx="minor">
+            <a:schemeClr val="dk1"/>
+          </a:fontRef>
+        </p:style>
+      </p:cxnSp>
+      <p:sp>
+        <p:nvSpPr>
+          <p:cNvPr id="32" name="Rectangle 8">
+            <a:extLst>
+              <a:ext uri="{FF2B5EF4-FFF2-40B4-BE49-F238E27FC236}">
+                <a16:creationId xmlns:a16="http://schemas.microsoft.com/office/drawing/2014/main" id="{ADB674F3-7980-418B-9424-5D309734D798}"/>
+              </a:ext>
+            </a:extLst>
+          </p:cNvPr>
+          <p:cNvSpPr/>
+          <p:nvPr/>
+        </p:nvSpPr>
+        <p:spPr>
+          <a:xfrm>
+            <a:off x="3863814" y="809820"/>
+            <a:ext cx="708186" cy="346760"/>
+          </a:xfrm>
+          <a:prstGeom prst="rect">
+            <a:avLst/>
+          </a:prstGeom>
+          <a:ln w="19050">
+            <a:solidFill>
+              <a:srgbClr val="7030A0"/>
+            </a:solidFill>
+          </a:ln>
+          <a:effectLst/>
+        </p:spPr>
+        <p:style>
+          <a:lnRef idx="1">
+            <a:schemeClr val="accent4"/>
+          </a:lnRef>
+          <a:fillRef idx="2">
+            <a:schemeClr val="accent4"/>
+          </a:fillRef>
+          <a:effectRef idx="1">
+            <a:schemeClr val="accent4"/>
+          </a:effectRef>
+          <a:fontRef idx="minor">
+            <a:schemeClr val="dk1"/>
+          </a:fontRef>
+        </p:style>
+        <p:txBody>
+          <a:bodyPr rtlCol="0" anchor="ctr"/>
+          <a:lstStyle/>
+          <a:p>
+            <a:pPr algn="ctr"/>
+            <a:r>
+              <a:rPr lang="en-US" sz="1050" dirty="0">
+                <a:solidFill>
+                  <a:srgbClr val="7030A0"/>
+                </a:solidFill>
+              </a:rPr>
+              <a:t>Project</a:t>
+            </a:r>
+            <a:endParaRPr lang="en-SG" sz="1050" dirty="0">
+              <a:solidFill>
+                <a:srgbClr val="7030A0"/>
+              </a:solidFill>
+            </a:endParaRPr>
+          </a:p>
+        </p:txBody>
+      </p:sp>
+      <p:sp>
+        <p:nvSpPr>
+          <p:cNvPr id="33" name="Rectangle 8">
+            <a:extLst>
+              <a:ext uri="{FF2B5EF4-FFF2-40B4-BE49-F238E27FC236}">
+                <a16:creationId xmlns:a16="http://schemas.microsoft.com/office/drawing/2014/main" id="{23F7F89A-E8CB-4FC4-832D-EE295C1A5CEE}"/>
+              </a:ext>
+            </a:extLst>
+          </p:cNvPr>
+          <p:cNvSpPr/>
+          <p:nvPr/>
+        </p:nvSpPr>
+        <p:spPr>
+          <a:xfrm>
+            <a:off x="5252724" y="558674"/>
+            <a:ext cx="708186" cy="285783"/>
+          </a:xfrm>
+          <a:prstGeom prst="rect">
+            <a:avLst/>
+          </a:prstGeom>
+          <a:ln w="19050">
+            <a:solidFill>
+              <a:srgbClr val="7030A0"/>
+            </a:solidFill>
+          </a:ln>
+          <a:effectLst/>
+        </p:spPr>
+        <p:style>
+          <a:lnRef idx="1">
+            <a:schemeClr val="accent4"/>
+          </a:lnRef>
+          <a:fillRef idx="2">
+            <a:schemeClr val="accent4"/>
+          </a:fillRef>
+          <a:effectRef idx="1">
+            <a:schemeClr val="accent4"/>
+          </a:effectRef>
+          <a:fontRef idx="minor">
+            <a:schemeClr val="dk1"/>
+          </a:fontRef>
+        </p:style>
+        <p:txBody>
+          <a:bodyPr rtlCol="0" anchor="ctr"/>
+          <a:lstStyle/>
+          <a:p>
+            <a:pPr algn="ctr"/>
+            <a:r>
+              <a:rPr lang="en-US" sz="1050" dirty="0">
+                <a:solidFill>
+                  <a:srgbClr val="7030A0"/>
+                </a:solidFill>
+              </a:rPr>
+              <a:t>Name</a:t>
+            </a:r>
+            <a:endParaRPr lang="en-SG" sz="1050" dirty="0">
+              <a:solidFill>
+                <a:srgbClr val="7030A0"/>
+              </a:solidFill>
+            </a:endParaRPr>
+          </a:p>
+        </p:txBody>
+      </p:sp>
+      <p:sp>
+        <p:nvSpPr>
+          <p:cNvPr id="34" name="Flowchart: Decision 96">
+            <a:extLst>
+              <a:ext uri="{FF2B5EF4-FFF2-40B4-BE49-F238E27FC236}">
+                <a16:creationId xmlns:a16="http://schemas.microsoft.com/office/drawing/2014/main" id="{EDA4E0C9-25A5-48B1-BBEF-31284BDFB21F}"/>
+              </a:ext>
+            </a:extLst>
+          </p:cNvPr>
+          <p:cNvSpPr/>
+          <p:nvPr/>
+        </p:nvSpPr>
+        <p:spPr>
+          <a:xfrm>
+            <a:off x="4573431" y="909247"/>
+            <a:ext cx="236048" cy="173380"/>
+          </a:xfrm>
+          <a:prstGeom prst="flowChartDecision">
+            <a:avLst/>
+          </a:prstGeom>
+          <a:solidFill>
+            <a:srgbClr val="7030A0"/>
+          </a:solidFill>
+          <a:ln w="19050">
+            <a:solidFill>
+              <a:srgbClr val="7030A0"/>
+            </a:solidFill>
+          </a:ln>
+          <a:effectLst/>
+        </p:spPr>
+        <p:style>
+          <a:lnRef idx="1">
+            <a:schemeClr val="accent6"/>
+          </a:lnRef>
+          <a:fillRef idx="2">
+            <a:schemeClr val="accent6"/>
+          </a:fillRef>
+          <a:effectRef idx="1">
+            <a:schemeClr val="accent6"/>
+          </a:effectRef>
+          <a:fontRef idx="minor">
+            <a:schemeClr val="dk1"/>
+          </a:fontRef>
+        </p:style>
+        <p:txBody>
+          <a:bodyPr rtlCol="0" anchor="ctr"/>
+          <a:lstStyle/>
+          <a:p>
+            <a:pPr algn="ctr"/>
+            <a:endParaRPr lang="en-US" sz="1050"/>
+          </a:p>
+        </p:txBody>
+      </p:sp>
+      <p:cxnSp>
+        <p:nvCxnSpPr>
+          <p:cNvPr id="35" name="Elbow Connector 78">
+            <a:extLst>
+              <a:ext uri="{FF2B5EF4-FFF2-40B4-BE49-F238E27FC236}">
+                <a16:creationId xmlns:a16="http://schemas.microsoft.com/office/drawing/2014/main" id="{744D261A-CCE3-4775-A5C9-A0CBCE1DF5D1}"/>
+              </a:ext>
+            </a:extLst>
+          </p:cNvPr>
+          <p:cNvCxnSpPr>
+            <a:cxnSpLocks/>
+          </p:cNvCxnSpPr>
+          <p:nvPr/>
+        </p:nvCxnSpPr>
+        <p:spPr>
+          <a:xfrm flipV="1">
+            <a:off x="4809479" y="793340"/>
+            <a:ext cx="434402" cy="202290"/>
+          </a:xfrm>
+          <a:prstGeom prst="bentConnector3">
+            <a:avLst/>
+          </a:prstGeom>
+          <a:ln w="19050">
+            <a:solidFill>
+              <a:srgbClr val="7030A0"/>
+            </a:solidFill>
+            <a:headEnd type="none" w="med" len="med"/>
+            <a:tailEnd type="arrow" w="med" len="med"/>
+          </a:ln>
+          <a:effectLst/>
+        </p:spPr>
+        <p:style>
+          <a:lnRef idx="1">
+            <a:schemeClr val="accent2"/>
+          </a:lnRef>
+          <a:fillRef idx="2">
+            <a:schemeClr val="accent2"/>
+          </a:fillRef>
+          <a:effectRef idx="1">
+            <a:schemeClr val="accent2"/>
+          </a:effectRef>
+          <a:fontRef idx="minor">
+            <a:schemeClr val="dk1"/>
+          </a:fontRef>
+        </p:style>
+      </p:cxnSp>
+      <p:sp>
+        <p:nvSpPr>
+          <p:cNvPr id="37" name="Rectangle 8">
+            <a:extLst>
+              <a:ext uri="{FF2B5EF4-FFF2-40B4-BE49-F238E27FC236}">
+                <a16:creationId xmlns:a16="http://schemas.microsoft.com/office/drawing/2014/main" id="{78B917AA-4E00-4C31-B322-37D818C0EEE1}"/>
+              </a:ext>
+            </a:extLst>
+          </p:cNvPr>
+          <p:cNvSpPr/>
+          <p:nvPr/>
+        </p:nvSpPr>
+        <p:spPr>
+          <a:xfrm>
+            <a:off x="5202387" y="1028792"/>
+            <a:ext cx="708186" cy="285783"/>
+          </a:xfrm>
+          <a:prstGeom prst="rect">
+            <a:avLst/>
+          </a:prstGeom>
+          <a:ln w="19050">
+            <a:solidFill>
+              <a:srgbClr val="7030A0"/>
+            </a:solidFill>
+          </a:ln>
+          <a:effectLst/>
+        </p:spPr>
+        <p:style>
+          <a:lnRef idx="1">
+            <a:schemeClr val="accent4"/>
+          </a:lnRef>
+          <a:fillRef idx="2">
+            <a:schemeClr val="accent4"/>
+          </a:fillRef>
+          <a:effectRef idx="1">
+            <a:schemeClr val="accent4"/>
+          </a:effectRef>
+          <a:fontRef idx="minor">
+            <a:schemeClr val="dk1"/>
+          </a:fontRef>
+        </p:style>
+        <p:txBody>
+          <a:bodyPr rtlCol="0" anchor="ctr"/>
+          <a:lstStyle/>
+          <a:p>
+            <a:pPr algn="ctr"/>
+            <a:r>
+              <a:rPr lang="en-US" sz="1050" dirty="0">
+                <a:solidFill>
+                  <a:srgbClr val="7030A0"/>
+                </a:solidFill>
+              </a:rPr>
+              <a:t>Status</a:t>
+            </a:r>
+            <a:endParaRPr lang="en-SG" sz="1050" dirty="0">
+              <a:solidFill>
+                <a:srgbClr val="7030A0"/>
+              </a:solidFill>
+            </a:endParaRPr>
+          </a:p>
+        </p:txBody>
+      </p:sp>
+      <p:sp>
+        <p:nvSpPr>
+          <p:cNvPr id="38" name="Rectangle 8">
+            <a:extLst>
+              <a:ext uri="{FF2B5EF4-FFF2-40B4-BE49-F238E27FC236}">
+                <a16:creationId xmlns:a16="http://schemas.microsoft.com/office/drawing/2014/main" id="{4BFA61A9-1087-4486-805E-508AC0E3B418}"/>
+              </a:ext>
+            </a:extLst>
+          </p:cNvPr>
+          <p:cNvSpPr/>
+          <p:nvPr/>
+        </p:nvSpPr>
+        <p:spPr>
+          <a:xfrm>
+            <a:off x="5252724" y="180173"/>
+            <a:ext cx="834382" cy="225032"/>
+          </a:xfrm>
+          <a:prstGeom prst="rect">
+            <a:avLst/>
+          </a:prstGeom>
+          <a:ln w="19050">
+            <a:solidFill>
+              <a:srgbClr val="7030A0"/>
+            </a:solidFill>
+          </a:ln>
+          <a:effectLst/>
+        </p:spPr>
+        <p:style>
+          <a:lnRef idx="1">
+            <a:schemeClr val="accent4"/>
+          </a:lnRef>
+          <a:fillRef idx="2">
+            <a:schemeClr val="accent4"/>
+          </a:fillRef>
+          <a:effectRef idx="1">
+            <a:schemeClr val="accent4"/>
+          </a:effectRef>
+          <a:fontRef idx="minor">
+            <a:schemeClr val="dk1"/>
+          </a:fontRef>
+        </p:style>
+        <p:txBody>
+          <a:bodyPr rtlCol="0" anchor="ctr"/>
+          <a:lstStyle/>
+          <a:p>
+            <a:pPr algn="ctr"/>
+            <a:r>
+              <a:rPr lang="en-US" sz="1050" dirty="0">
+                <a:solidFill>
+                  <a:srgbClr val="7030A0"/>
+                </a:solidFill>
+              </a:rPr>
+              <a:t>Date</a:t>
+            </a:r>
+            <a:endParaRPr lang="en-SG" sz="1050" dirty="0">
+              <a:solidFill>
+                <a:srgbClr val="7030A0"/>
+              </a:solidFill>
+            </a:endParaRPr>
+          </a:p>
+        </p:txBody>
+      </p:sp>
+      <p:cxnSp>
+        <p:nvCxnSpPr>
+          <p:cNvPr id="39" name="Elbow Connector 78">
+            <a:extLst>
+              <a:ext uri="{FF2B5EF4-FFF2-40B4-BE49-F238E27FC236}">
+                <a16:creationId xmlns:a16="http://schemas.microsoft.com/office/drawing/2014/main" id="{D5D803CE-7399-41E6-A778-8BE554EB98EA}"/>
+              </a:ext>
+            </a:extLst>
+          </p:cNvPr>
+          <p:cNvCxnSpPr>
+            <a:cxnSpLocks/>
+            <a:stCxn id="34" idx="3"/>
+          </p:cNvCxnSpPr>
+          <p:nvPr/>
+        </p:nvCxnSpPr>
+        <p:spPr>
+          <a:xfrm flipV="1">
+            <a:off x="4809479" y="384463"/>
+            <a:ext cx="434402" cy="611474"/>
+          </a:xfrm>
+          <a:prstGeom prst="bentConnector3">
+            <a:avLst>
+              <a:gd name="adj1" fmla="val 50000"/>
+            </a:avLst>
+          </a:prstGeom>
+          <a:ln w="19050">
+            <a:solidFill>
+              <a:srgbClr val="7030A0"/>
+            </a:solidFill>
+            <a:headEnd type="none" w="med" len="med"/>
+            <a:tailEnd type="arrow" w="med" len="med"/>
+          </a:ln>
+          <a:effectLst/>
+        </p:spPr>
+        <p:style>
+          <a:lnRef idx="1">
+            <a:schemeClr val="accent2"/>
+          </a:lnRef>
+          <a:fillRef idx="2">
+            <a:schemeClr val="accent2"/>
+          </a:fillRef>
+          <a:effectRef idx="1">
+            <a:schemeClr val="accent2"/>
+          </a:effectRef>
+          <a:fontRef idx="minor">
+            <a:schemeClr val="dk1"/>
+          </a:fontRef>
+        </p:style>
+      </p:cxnSp>
+      <p:sp>
+        <p:nvSpPr>
+          <p:cNvPr id="40" name="Rectangle 8">
+            <a:extLst>
+              <a:ext uri="{FF2B5EF4-FFF2-40B4-BE49-F238E27FC236}">
+                <a16:creationId xmlns:a16="http://schemas.microsoft.com/office/drawing/2014/main" id="{99166418-5C06-4814-954C-A9A9803048B0}"/>
+              </a:ext>
+            </a:extLst>
+          </p:cNvPr>
+          <p:cNvSpPr/>
+          <p:nvPr/>
+        </p:nvSpPr>
+        <p:spPr>
+          <a:xfrm>
+            <a:off x="5243881" y="1554005"/>
+            <a:ext cx="708186" cy="285783"/>
+          </a:xfrm>
+          <a:prstGeom prst="rect">
+            <a:avLst/>
+          </a:prstGeom>
+          <a:ln w="19050">
+            <a:solidFill>
+              <a:srgbClr val="7030A0"/>
+            </a:solidFill>
+          </a:ln>
+          <a:effectLst/>
+        </p:spPr>
+        <p:style>
+          <a:lnRef idx="1">
+            <a:schemeClr val="accent4"/>
+          </a:lnRef>
+          <a:fillRef idx="2">
+            <a:schemeClr val="accent4"/>
+          </a:fillRef>
+          <a:effectRef idx="1">
+            <a:schemeClr val="accent4"/>
+          </a:effectRef>
+          <a:fontRef idx="minor">
+            <a:schemeClr val="dk1"/>
+          </a:fontRef>
+        </p:style>
+        <p:txBody>
+          <a:bodyPr rtlCol="0" anchor="ctr"/>
+          <a:lstStyle/>
+          <a:p>
+            <a:pPr algn="ctr"/>
+            <a:r>
+              <a:rPr lang="en-US" sz="1050" dirty="0">
+                <a:solidFill>
+                  <a:srgbClr val="7030A0"/>
+                </a:solidFill>
+              </a:rPr>
+              <a:t>Address</a:t>
+            </a:r>
+            <a:endParaRPr lang="en-SG" sz="1050" dirty="0">
+              <a:solidFill>
+                <a:srgbClr val="7030A0"/>
+              </a:solidFill>
+            </a:endParaRPr>
+          </a:p>
+        </p:txBody>
+      </p:sp>
+      <p:cxnSp>
+        <p:nvCxnSpPr>
+          <p:cNvPr id="41" name="Elbow Connector 85">
+            <a:extLst>
+              <a:ext uri="{FF2B5EF4-FFF2-40B4-BE49-F238E27FC236}">
+                <a16:creationId xmlns:a16="http://schemas.microsoft.com/office/drawing/2014/main" id="{4E0BFC65-8E05-441C-9518-D99DA1799C30}"/>
+              </a:ext>
+            </a:extLst>
+          </p:cNvPr>
+          <p:cNvCxnSpPr>
+            <a:cxnSpLocks/>
+            <a:stCxn id="34" idx="3"/>
+            <a:endCxn id="40" idx="1"/>
+          </p:cNvCxnSpPr>
+          <p:nvPr/>
+        </p:nvCxnSpPr>
+        <p:spPr>
+          <a:xfrm>
+            <a:off x="4809479" y="995937"/>
+            <a:ext cx="434402" cy="700960"/>
+          </a:xfrm>
+          <a:prstGeom prst="bentConnector3">
+            <a:avLst>
+              <a:gd name="adj1" fmla="val 50000"/>
+            </a:avLst>
+          </a:prstGeom>
+          <a:ln w="19050">
+            <a:solidFill>
+              <a:srgbClr val="7030A0"/>
+            </a:solidFill>
+            <a:headEnd type="none" w="med" len="med"/>
+            <a:tailEnd type="arrow" w="med" len="med"/>
+          </a:ln>
+          <a:effectLst/>
+        </p:spPr>
+        <p:style>
+          <a:lnRef idx="1">
+            <a:schemeClr val="accent2"/>
+          </a:lnRef>
+          <a:fillRef idx="2">
+            <a:schemeClr val="accent2"/>
+          </a:fillRef>
+          <a:effectRef idx="1">
+            <a:schemeClr val="accent2"/>
+          </a:effectRef>
+          <a:fontRef idx="minor">
+            <a:schemeClr val="dk1"/>
+          </a:fontRef>
+        </p:style>
+      </p:cxnSp>
+      <p:cxnSp>
+        <p:nvCxnSpPr>
+          <p:cNvPr id="43" name="Elbow Connector 78">
+            <a:extLst>
+              <a:ext uri="{FF2B5EF4-FFF2-40B4-BE49-F238E27FC236}">
+                <a16:creationId xmlns:a16="http://schemas.microsoft.com/office/drawing/2014/main" id="{AB74415B-8582-415B-8EF0-D20599C4393A}"/>
+              </a:ext>
+            </a:extLst>
+          </p:cNvPr>
+          <p:cNvCxnSpPr>
+            <a:cxnSpLocks/>
+          </p:cNvCxnSpPr>
+          <p:nvPr/>
+        </p:nvCxnSpPr>
+        <p:spPr>
+          <a:xfrm flipV="1">
+            <a:off x="3426368" y="976064"/>
+            <a:ext cx="426014" cy="2541401"/>
+          </a:xfrm>
+          <a:prstGeom prst="bentConnector3">
+            <a:avLst>
+              <a:gd name="adj1" fmla="val -9773"/>
+            </a:avLst>
+          </a:prstGeom>
+          <a:ln w="19050">
+            <a:solidFill>
+              <a:srgbClr val="7030A0"/>
+            </a:solidFill>
+            <a:headEnd type="none" w="med" len="med"/>
+            <a:tailEnd type="arrow" w="med" len="med"/>
+          </a:ln>
+          <a:effectLst/>
+        </p:spPr>
+        <p:style>
+          <a:lnRef idx="1">
+            <a:schemeClr val="accent2"/>
+          </a:lnRef>
+          <a:fillRef idx="2">
+            <a:schemeClr val="accent2"/>
+          </a:fillRef>
+          <a:effectRef idx="1">
+            <a:schemeClr val="accent2"/>
+          </a:effectRef>
+          <a:fontRef idx="minor">
+            <a:schemeClr val="dk1"/>
+          </a:fontRef>
+        </p:style>
+      </p:cxnSp>
+      <p:sp>
+        <p:nvSpPr>
+          <p:cNvPr id="47" name="TextBox 46">
+            <a:extLst>
+              <a:ext uri="{FF2B5EF4-FFF2-40B4-BE49-F238E27FC236}">
+                <a16:creationId xmlns:a16="http://schemas.microsoft.com/office/drawing/2014/main" id="{C36D4E66-8505-4B83-8532-784FEBD94E15}"/>
+              </a:ext>
+            </a:extLst>
+          </p:cNvPr>
+          <p:cNvSpPr txBox="1"/>
+          <p:nvPr/>
+        </p:nvSpPr>
+        <p:spPr>
+          <a:xfrm>
+            <a:off x="5682850" y="2370653"/>
+            <a:ext cx="189257" cy="178683"/>
+          </a:xfrm>
+          <a:prstGeom prst="rect">
+            <a:avLst/>
+          </a:prstGeom>
+          <a:noFill/>
+        </p:spPr>
+        <p:txBody>
+          <a:bodyPr wrap="square" lIns="0" tIns="0" rIns="0" bIns="0" rtlCol="0">
+            <a:noAutofit/>
+          </a:bodyPr>
+          <a:lstStyle/>
+          <a:p>
+            <a:pPr algn="ctr"/>
+            <a:r>
+              <a:rPr lang="en-US" sz="1100" dirty="0">
+                <a:solidFill>
+                  <a:srgbClr val="7030A0"/>
+                </a:solidFill>
+              </a:rPr>
+              <a:t>*</a:t>
+            </a:r>
+            <a:endParaRPr lang="en-SG" sz="1100" dirty="0">
+              <a:solidFill>
+                <a:srgbClr val="7030A0"/>
+              </a:solidFill>
+            </a:endParaRPr>
+          </a:p>
+        </p:txBody>
+      </p:sp>
+      <p:sp>
+        <p:nvSpPr>
+          <p:cNvPr id="48" name="Flowchart: Decision 96">
+            <a:extLst>
+              <a:ext uri="{FF2B5EF4-FFF2-40B4-BE49-F238E27FC236}">
+                <a16:creationId xmlns:a16="http://schemas.microsoft.com/office/drawing/2014/main" id="{AD29EAB1-C6CC-4DF3-B138-B81A2FDB03A6}"/>
+              </a:ext>
+            </a:extLst>
+          </p:cNvPr>
+          <p:cNvSpPr/>
+          <p:nvPr/>
+        </p:nvSpPr>
+        <p:spPr>
+          <a:xfrm rot="5400000">
+            <a:off x="4062540" y="1187914"/>
+            <a:ext cx="236048" cy="173380"/>
+          </a:xfrm>
+          <a:prstGeom prst="flowChartDecision">
+            <a:avLst/>
+          </a:prstGeom>
+          <a:noFill/>
+          <a:ln w="19050">
+            <a:solidFill>
+              <a:srgbClr val="7030A0"/>
+            </a:solidFill>
+          </a:ln>
+          <a:effectLst/>
+        </p:spPr>
+        <p:style>
+          <a:lnRef idx="1">
+            <a:schemeClr val="accent6"/>
+          </a:lnRef>
+          <a:fillRef idx="2">
+            <a:schemeClr val="accent6"/>
+          </a:fillRef>
+          <a:effectRef idx="1">
+            <a:schemeClr val="accent6"/>
+          </a:effectRef>
+          <a:fontRef idx="minor">
+            <a:schemeClr val="dk1"/>
+          </a:fontRef>
+        </p:style>
+        <p:txBody>
+          <a:bodyPr rtlCol="0" anchor="ctr"/>
+          <a:lstStyle/>
+          <a:p>
+            <a:pPr algn="ctr"/>
+            <a:endParaRPr lang="en-US" sz="1050"/>
+          </a:p>
+        </p:txBody>
+      </p:sp>
+      <p:cxnSp>
+        <p:nvCxnSpPr>
+          <p:cNvPr id="56" name="Elbow Connector 78">
+            <a:extLst>
+              <a:ext uri="{FF2B5EF4-FFF2-40B4-BE49-F238E27FC236}">
+                <a16:creationId xmlns:a16="http://schemas.microsoft.com/office/drawing/2014/main" id="{0A21E2D3-CCD9-4BBA-8350-643DCAF46475}"/>
+              </a:ext>
+            </a:extLst>
+          </p:cNvPr>
+          <p:cNvCxnSpPr>
+            <a:cxnSpLocks/>
+            <a:stCxn id="48" idx="3"/>
+            <a:endCxn id="67" idx="0"/>
+          </p:cNvCxnSpPr>
+          <p:nvPr/>
+        </p:nvCxnSpPr>
+        <p:spPr>
+          <a:xfrm rot="16200000" flipH="1">
+            <a:off x="4331825" y="1241366"/>
+            <a:ext cx="1156708" cy="1459231"/>
+          </a:xfrm>
+          <a:prstGeom prst="bentConnector3">
+            <a:avLst>
+              <a:gd name="adj1" fmla="val 50000"/>
+            </a:avLst>
+          </a:prstGeom>
+          <a:ln w="19050">
+            <a:solidFill>
+              <a:srgbClr val="7030A0"/>
+            </a:solidFill>
+            <a:headEnd type="none" w="med" len="med"/>
+            <a:tailEnd type="arrow" w="med" len="med"/>
+          </a:ln>
+          <a:effectLst/>
+        </p:spPr>
+        <p:style>
+          <a:lnRef idx="1">
+            <a:schemeClr val="accent2"/>
+          </a:lnRef>
+          <a:fillRef idx="2">
+            <a:schemeClr val="accent2"/>
+          </a:fillRef>
+          <a:effectRef idx="1">
+            <a:schemeClr val="accent2"/>
+          </a:effectRef>
+          <a:fontRef idx="minor">
+            <a:schemeClr val="dk1"/>
+          </a:fontRef>
+        </p:style>
+      </p:cxnSp>
+      <p:cxnSp>
+        <p:nvCxnSpPr>
+          <p:cNvPr id="57" name="Elbow Connector 85">
+            <a:extLst>
+              <a:ext uri="{FF2B5EF4-FFF2-40B4-BE49-F238E27FC236}">
+                <a16:creationId xmlns:a16="http://schemas.microsoft.com/office/drawing/2014/main" id="{DB31AEB8-99EC-4A22-B7AE-A5EB968728B3}"/>
+              </a:ext>
+            </a:extLst>
+          </p:cNvPr>
+          <p:cNvCxnSpPr>
+            <a:cxnSpLocks/>
+            <a:stCxn id="34" idx="3"/>
+            <a:endCxn id="37" idx="1"/>
+          </p:cNvCxnSpPr>
+          <p:nvPr/>
+        </p:nvCxnSpPr>
+        <p:spPr>
+          <a:xfrm>
+            <a:off x="4809479" y="995937"/>
+            <a:ext cx="392908" cy="175747"/>
+          </a:xfrm>
+          <a:prstGeom prst="bentConnector3">
+            <a:avLst>
+              <a:gd name="adj1" fmla="val 52946"/>
             </a:avLst>
           </a:prstGeom>
           <a:ln w="19050">
